--- a/Docs/NERDS.pptx
+++ b/Docs/NERDS.pptx
@@ -1186,7 +1186,7 @@
       </dsp:nvSpPr>
       <dsp:spPr>
         <a:xfrm>
-          <a:off x="992" y="2322380"/>
+          <a:off x="992" y="2428446"/>
           <a:ext cx="1934765" cy="773906"/>
         </a:xfrm>
         <a:prstGeom prst="homePlate">
@@ -1253,7 +1253,7 @@
         </a:p>
       </dsp:txBody>
       <dsp:txXfrm>
-        <a:off x="992" y="2322380"/>
+        <a:off x="992" y="2428446"/>
         <a:ext cx="1741289" cy="773906"/>
       </dsp:txXfrm>
     </dsp:sp>
@@ -1264,7 +1264,7 @@
       </dsp:nvSpPr>
       <dsp:spPr>
         <a:xfrm>
-          <a:off x="1548804" y="2322380"/>
+          <a:off x="1548804" y="2428446"/>
           <a:ext cx="1934765" cy="773906"/>
         </a:xfrm>
         <a:prstGeom prst="chevron">
@@ -1331,7 +1331,7 @@
         </a:p>
       </dsp:txBody>
       <dsp:txXfrm>
-        <a:off x="1935757" y="2322380"/>
+        <a:off x="1935757" y="2428446"/>
         <a:ext cx="1160859" cy="773906"/>
       </dsp:txXfrm>
     </dsp:sp>
@@ -1342,7 +1342,7 @@
       </dsp:nvSpPr>
       <dsp:spPr>
         <a:xfrm>
-          <a:off x="3096617" y="2322380"/>
+          <a:off x="3096617" y="2428446"/>
           <a:ext cx="1934765" cy="773906"/>
         </a:xfrm>
         <a:prstGeom prst="chevron">
@@ -1409,7 +1409,7 @@
         </a:p>
       </dsp:txBody>
       <dsp:txXfrm>
-        <a:off x="3483570" y="2322380"/>
+        <a:off x="3483570" y="2428446"/>
         <a:ext cx="1160859" cy="773906"/>
       </dsp:txXfrm>
     </dsp:sp>
@@ -1420,7 +1420,7 @@
       </dsp:nvSpPr>
       <dsp:spPr>
         <a:xfrm>
-          <a:off x="4644429" y="2322380"/>
+          <a:off x="4644429" y="2428446"/>
           <a:ext cx="1934765" cy="773906"/>
         </a:xfrm>
         <a:prstGeom prst="chevron">
@@ -1487,7 +1487,7 @@
         </a:p>
       </dsp:txBody>
       <dsp:txXfrm>
-        <a:off x="5031382" y="2322380"/>
+        <a:off x="5031382" y="2428446"/>
         <a:ext cx="1160859" cy="773906"/>
       </dsp:txXfrm>
     </dsp:sp>
@@ -1498,7 +1498,7 @@
       </dsp:nvSpPr>
       <dsp:spPr>
         <a:xfrm>
-          <a:off x="6192242" y="2322380"/>
+          <a:off x="6192242" y="2428446"/>
           <a:ext cx="1934765" cy="773906"/>
         </a:xfrm>
         <a:prstGeom prst="chevron">
@@ -1565,7 +1565,7 @@
         </a:p>
       </dsp:txBody>
       <dsp:txXfrm>
-        <a:off x="6579195" y="2322380"/>
+        <a:off x="6579195" y="2428446"/>
         <a:ext cx="1160859" cy="773906"/>
       </dsp:txXfrm>
     </dsp:sp>
@@ -13015,7 +13015,7 @@
         </p:nvSpPr>
         <p:spPr>
           <a:xfrm>
-            <a:off x="838200" y="79693"/>
+            <a:off x="843624" y="372295"/>
             <a:ext cx="10515600" cy="1325563"/>
           </a:xfrm>
         </p:spPr>
@@ -13073,7 +13073,7 @@
         </p:nvSpPr>
         <p:spPr>
           <a:xfrm>
-            <a:off x="749808" y="1874521"/>
+            <a:off x="1954419" y="1884854"/>
             <a:ext cx="2578608" cy="276999"/>
           </a:xfrm>
           <a:prstGeom prst="rect">
@@ -13088,10 +13088,30 @@
           <a:lstStyle/>
           <a:p>
             <a:r>
-              <a:rPr lang="bg-BG" sz="1200" dirty="0"/>
-              <a:t>Мартин Миленов Стоянов 10б</a:t>
-            </a:r>
-            <a:endParaRPr lang="en-US" sz="1200" dirty="0"/>
+              <a:rPr lang="bg-BG" sz="1200" dirty="0">
+                <a:latin typeface="Microsoft JhengHei Light" panose="020B0304030504040204" pitchFamily="34" charset="-120"/>
+                <a:ea typeface="Microsoft JhengHei Light" panose="020B0304030504040204" pitchFamily="34" charset="-120"/>
+              </a:rPr>
+              <a:t>Мартин</a:t>
+            </a:r>
+            <a:r>
+              <a:rPr lang="en-US" sz="1200" dirty="0">
+                <a:latin typeface="Microsoft JhengHei Light" panose="020B0304030504040204" pitchFamily="34" charset="-120"/>
+                <a:ea typeface="Microsoft JhengHei Light" panose="020B0304030504040204" pitchFamily="34" charset="-120"/>
+              </a:rPr>
+              <a:t> </a:t>
+            </a:r>
+            <a:r>
+              <a:rPr lang="bg-BG" sz="1200" dirty="0">
+                <a:latin typeface="Microsoft JhengHei Light" panose="020B0304030504040204" pitchFamily="34" charset="-120"/>
+                <a:ea typeface="Microsoft JhengHei Light" panose="020B0304030504040204" pitchFamily="34" charset="-120"/>
+              </a:rPr>
+              <a:t>Стоянов 10б</a:t>
+            </a:r>
+            <a:endParaRPr lang="en-US" sz="1200" dirty="0">
+              <a:latin typeface="Microsoft JhengHei Light" panose="020B0304030504040204" pitchFamily="34" charset="-120"/>
+              <a:ea typeface="Microsoft JhengHei Light" panose="020B0304030504040204" pitchFamily="34" charset="-120"/>
+            </a:endParaRPr>
           </a:p>
         </p:txBody>
       </p:sp>
@@ -13109,7 +13129,7 @@
         </p:nvSpPr>
         <p:spPr>
           <a:xfrm>
-            <a:off x="4681728" y="1874521"/>
+            <a:off x="5676160" y="1921705"/>
             <a:ext cx="2578608" cy="276999"/>
           </a:xfrm>
           <a:prstGeom prst="rect">
@@ -13124,18 +13144,30 @@
           <a:lstStyle/>
           <a:p>
             <a:r>
-              <a:rPr lang="bg-BG" sz="1200" dirty="0"/>
+              <a:rPr lang="bg-BG" sz="1200" dirty="0">
+                <a:latin typeface="Microsoft JhengHei Light" panose="020B0304030504040204" pitchFamily="34" charset="-120"/>
+                <a:ea typeface="Microsoft JhengHei Light" panose="020B0304030504040204" pitchFamily="34" charset="-120"/>
+              </a:rPr>
               <a:t>Габриел</a:t>
             </a:r>
             <a:r>
-              <a:rPr lang="en-US" sz="1200" dirty="0"/>
+              <a:rPr lang="en-US" sz="1200" dirty="0">
+                <a:latin typeface="Microsoft JhengHei Light" panose="020B0304030504040204" pitchFamily="34" charset="-120"/>
+                <a:ea typeface="Microsoft JhengHei Light" panose="020B0304030504040204" pitchFamily="34" charset="-120"/>
+              </a:rPr>
               <a:t> </a:t>
             </a:r>
             <a:r>
-              <a:rPr lang="bg-BG" sz="1200" dirty="0"/>
-              <a:t>Григоров Димитров 10в</a:t>
-            </a:r>
-            <a:endParaRPr lang="en-US" sz="1200" dirty="0"/>
+              <a:rPr lang="bg-BG" sz="1200" dirty="0">
+                <a:latin typeface="Microsoft JhengHei Light" panose="020B0304030504040204" pitchFamily="34" charset="-120"/>
+                <a:ea typeface="Microsoft JhengHei Light" panose="020B0304030504040204" pitchFamily="34" charset="-120"/>
+              </a:rPr>
+              <a:t>Димитров 10в</a:t>
+            </a:r>
+            <a:endParaRPr lang="en-US" sz="1200" dirty="0">
+              <a:latin typeface="Microsoft JhengHei Light" panose="020B0304030504040204" pitchFamily="34" charset="-120"/>
+              <a:ea typeface="Microsoft JhengHei Light" panose="020B0304030504040204" pitchFamily="34" charset="-120"/>
+            </a:endParaRPr>
           </a:p>
         </p:txBody>
       </p:sp>
@@ -13153,7 +13185,7 @@
         </p:nvSpPr>
         <p:spPr>
           <a:xfrm>
-            <a:off x="9041956" y="1874521"/>
+            <a:off x="9180576" y="1951614"/>
             <a:ext cx="2770632" cy="276999"/>
           </a:xfrm>
           <a:prstGeom prst="rect">
@@ -13168,18 +13200,16 @@
           <a:lstStyle/>
           <a:p>
             <a:r>
-              <a:rPr lang="bg-BG" sz="1200" dirty="0"/>
-              <a:t>Теодора </a:t>
-            </a:r>
-            <a:r>
-              <a:rPr lang="bg-BG" sz="1200" dirty="0" err="1"/>
-              <a:t>Лъчезарова</a:t>
-            </a:r>
-            <a:r>
-              <a:rPr lang="bg-BG" sz="1200" dirty="0"/>
-              <a:t> Лозева 10а </a:t>
-            </a:r>
-            <a:endParaRPr lang="en-US" sz="1200" dirty="0"/>
+              <a:rPr lang="bg-BG" sz="1200" dirty="0">
+                <a:latin typeface="Microsoft JhengHei Light" panose="020B0304030504040204" pitchFamily="34" charset="-120"/>
+                <a:ea typeface="Microsoft JhengHei Light" panose="020B0304030504040204" pitchFamily="34" charset="-120"/>
+              </a:rPr>
+              <a:t>Теодора Лозева 10а </a:t>
+            </a:r>
+            <a:endParaRPr lang="en-US" sz="1200" dirty="0">
+              <a:latin typeface="Microsoft JhengHei Light" panose="020B0304030504040204" pitchFamily="34" charset="-120"/>
+              <a:ea typeface="Microsoft JhengHei Light" panose="020B0304030504040204" pitchFamily="34" charset="-120"/>
+            </a:endParaRPr>
           </a:p>
         </p:txBody>
       </p:sp>
@@ -13197,7 +13227,7 @@
         </p:nvSpPr>
         <p:spPr>
           <a:xfrm>
-            <a:off x="749808" y="5618518"/>
+            <a:off x="1954419" y="5684219"/>
             <a:ext cx="2743200" cy="276999"/>
           </a:xfrm>
           <a:prstGeom prst="rect">
@@ -13212,10 +13242,16 @@
           <a:lstStyle/>
           <a:p>
             <a:r>
-              <a:rPr lang="bg-BG" sz="1200" dirty="0"/>
-              <a:t>Петър Петров Димитров 9г</a:t>
-            </a:r>
-            <a:endParaRPr lang="en-US" sz="1200" dirty="0"/>
+              <a:rPr lang="bg-BG" sz="1200" dirty="0">
+                <a:latin typeface="Microsoft JhengHei Light" panose="020B0304030504040204" pitchFamily="34" charset="-120"/>
+                <a:ea typeface="Microsoft JhengHei Light" panose="020B0304030504040204" pitchFamily="34" charset="-120"/>
+              </a:rPr>
+              <a:t>Петър Димитров 9г</a:t>
+            </a:r>
+            <a:endParaRPr lang="en-US" sz="1200" dirty="0">
+              <a:latin typeface="Microsoft JhengHei Light" panose="020B0304030504040204" pitchFamily="34" charset="-120"/>
+              <a:ea typeface="Microsoft JhengHei Light" panose="020B0304030504040204" pitchFamily="34" charset="-120"/>
+            </a:endParaRPr>
           </a:p>
         </p:txBody>
       </p:sp>
@@ -13233,7 +13269,7 @@
         </p:nvSpPr>
         <p:spPr>
           <a:xfrm>
-            <a:off x="4681728" y="5618518"/>
+            <a:off x="5859844" y="5622620"/>
             <a:ext cx="3200400" cy="276999"/>
           </a:xfrm>
           <a:prstGeom prst="rect">
@@ -13248,11 +13284,17 @@
           <a:lstStyle/>
           <a:p>
             <a:r>
-              <a:rPr lang="bg-BG" sz="1200" dirty="0"/>
-              <a:t>Мартин Емануилов Димитров 9г</a:t>
-            </a:r>
-            <a:r>
-              <a:rPr lang="en-US" sz="1200" dirty="0"/>
+              <a:rPr lang="bg-BG" sz="1200" dirty="0">
+                <a:latin typeface="Microsoft JhengHei Light" panose="020B0304030504040204" pitchFamily="34" charset="-120"/>
+                <a:ea typeface="Microsoft JhengHei Light" panose="020B0304030504040204" pitchFamily="34" charset="-120"/>
+              </a:rPr>
+              <a:t>Мартин Димитров 9г</a:t>
+            </a:r>
+            <a:r>
+              <a:rPr lang="en-US" sz="1200" dirty="0">
+                <a:latin typeface="Microsoft JhengHei Light" panose="020B0304030504040204" pitchFamily="34" charset="-120"/>
+                <a:ea typeface="Microsoft JhengHei Light" panose="020B0304030504040204" pitchFamily="34" charset="-120"/>
+              </a:rPr>
               <a:t> </a:t>
             </a:r>
           </a:p>
@@ -13272,7 +13314,7 @@
         </p:nvSpPr>
         <p:spPr>
           <a:xfrm>
-            <a:off x="8738643" y="5618518"/>
+            <a:off x="9060244" y="5622620"/>
             <a:ext cx="2890964" cy="276999"/>
           </a:xfrm>
           <a:prstGeom prst="rect">
@@ -13287,18 +13329,30 @@
           <a:lstStyle/>
           <a:p>
             <a:r>
-              <a:rPr lang="az-Cyrl-AZ" sz="1200" dirty="0"/>
-              <a:t>Виниченко Олександр Олександров</a:t>
-            </a:r>
-            <a:r>
-              <a:rPr lang="en-US" sz="1200" dirty="0"/>
+              <a:rPr lang="az-Cyrl-AZ" sz="1200" dirty="0">
+                <a:latin typeface="Microsoft JhengHei Light" panose="020B0304030504040204" pitchFamily="34" charset="-120"/>
+                <a:ea typeface="Microsoft JhengHei Light" panose="020B0304030504040204" pitchFamily="34" charset="-120"/>
+              </a:rPr>
+              <a:t>Виниченко Олександров</a:t>
+            </a:r>
+            <a:r>
+              <a:rPr lang="en-US" sz="1200" dirty="0">
+                <a:latin typeface="Microsoft JhengHei Light" panose="020B0304030504040204" pitchFamily="34" charset="-120"/>
+                <a:ea typeface="Microsoft JhengHei Light" panose="020B0304030504040204" pitchFamily="34" charset="-120"/>
+              </a:rPr>
               <a:t> 9</a:t>
             </a:r>
             <a:r>
-              <a:rPr lang="bg-BG" sz="1200" dirty="0"/>
+              <a:rPr lang="bg-BG" sz="1200" dirty="0">
+                <a:latin typeface="Microsoft JhengHei Light" panose="020B0304030504040204" pitchFamily="34" charset="-120"/>
+                <a:ea typeface="Microsoft JhengHei Light" panose="020B0304030504040204" pitchFamily="34" charset="-120"/>
+              </a:rPr>
               <a:t>г</a:t>
             </a:r>
-            <a:endParaRPr lang="en-US" sz="1200" dirty="0"/>
+            <a:endParaRPr lang="en-US" sz="1200" dirty="0">
+              <a:latin typeface="Microsoft JhengHei Light" panose="020B0304030504040204" pitchFamily="34" charset="-120"/>
+              <a:ea typeface="Microsoft JhengHei Light" panose="020B0304030504040204" pitchFamily="34" charset="-120"/>
+            </a:endParaRPr>
           </a:p>
         </p:txBody>
       </p:sp>
@@ -13324,18 +13378,34 @@
         </p:blipFill>
         <p:spPr>
           <a:xfrm>
-            <a:off x="9320017" y="2151520"/>
-            <a:ext cx="1728216" cy="1809046"/>
-          </a:xfrm>
-          <a:prstGeom prst="rect">
+            <a:off x="7804946" y="2175461"/>
+            <a:ext cx="1659733" cy="1737360"/>
+          </a:xfrm>
+          <a:prstGeom prst="ellipse">
             <a:avLst/>
           </a:prstGeom>
-          <a:ln>
+          <a:ln w="63500" cap="rnd">
             <a:noFill/>
           </a:ln>
           <a:effectLst>
-            <a:softEdge rad="112500"/>
+            <a:outerShdw blurRad="381000" dist="292100" dir="5400000" sx="-80000" sy="-18000" rotWithShape="0">
+              <a:srgbClr val="000000">
+                <a:alpha val="22000"/>
+              </a:srgbClr>
+            </a:outerShdw>
           </a:effectLst>
+          <a:scene3d>
+            <a:camera prst="orthographicFront"/>
+            <a:lightRig rig="contrasting" dir="t">
+              <a:rot lat="0" lon="0" rev="3000000"/>
+            </a:lightRig>
+          </a:scene3d>
+          <a:sp3d contourW="7620">
+            <a:bevelT w="95250" h="31750"/>
+            <a:contourClr>
+              <a:srgbClr val="333333"/>
+            </a:contourClr>
+          </a:sp3d>
         </p:spPr>
       </p:pic>
       <p:pic>
@@ -13360,18 +13430,34 @@
         </p:blipFill>
         <p:spPr>
           <a:xfrm>
-            <a:off x="9329039" y="3932248"/>
-            <a:ext cx="1728216" cy="1702806"/>
-          </a:xfrm>
-          <a:prstGeom prst="rect">
+            <a:off x="9480274" y="3828727"/>
+            <a:ext cx="1763286" cy="1737360"/>
+          </a:xfrm>
+          <a:prstGeom prst="ellipse">
             <a:avLst/>
           </a:prstGeom>
-          <a:ln>
+          <a:ln w="63500" cap="rnd">
             <a:noFill/>
           </a:ln>
           <a:effectLst>
-            <a:softEdge rad="112500"/>
+            <a:outerShdw blurRad="381000" dist="292100" dir="5400000" sx="-80000" sy="-18000" rotWithShape="0">
+              <a:srgbClr val="000000">
+                <a:alpha val="22000"/>
+              </a:srgbClr>
+            </a:outerShdw>
           </a:effectLst>
+          <a:scene3d>
+            <a:camera prst="orthographicFront"/>
+            <a:lightRig rig="contrasting" dir="t">
+              <a:rot lat="0" lon="0" rev="3000000"/>
+            </a:lightRig>
+          </a:scene3d>
+          <a:sp3d contourW="7620">
+            <a:bevelT w="95250" h="31750"/>
+            <a:contourClr>
+              <a:srgbClr val="333333"/>
+            </a:contourClr>
+          </a:sp3d>
         </p:spPr>
       </p:pic>
       <p:pic>
@@ -13396,18 +13482,34 @@
         </p:blipFill>
         <p:spPr>
           <a:xfrm>
-            <a:off x="941831" y="3960566"/>
-            <a:ext cx="1616119" cy="1616119"/>
-          </a:xfrm>
-          <a:prstGeom prst="rect">
+            <a:off x="2511159" y="3828727"/>
+            <a:ext cx="1737360" cy="1737360"/>
+          </a:xfrm>
+          <a:prstGeom prst="ellipse">
             <a:avLst/>
           </a:prstGeom>
-          <a:ln>
+          <a:ln w="63500" cap="rnd">
             <a:noFill/>
           </a:ln>
           <a:effectLst>
-            <a:softEdge rad="112500"/>
+            <a:outerShdw blurRad="381000" dist="292100" dir="5400000" sx="-80000" sy="-18000" rotWithShape="0">
+              <a:srgbClr val="000000">
+                <a:alpha val="22000"/>
+              </a:srgbClr>
+            </a:outerShdw>
           </a:effectLst>
+          <a:scene3d>
+            <a:camera prst="orthographicFront"/>
+            <a:lightRig rig="contrasting" dir="t">
+              <a:rot lat="0" lon="0" rev="3000000"/>
+            </a:lightRig>
+          </a:scene3d>
+          <a:sp3d contourW="7620">
+            <a:bevelT w="95250" h="31750"/>
+            <a:contourClr>
+              <a:srgbClr val="333333"/>
+            </a:contourClr>
+          </a:sp3d>
         </p:spPr>
       </p:pic>
       <p:pic>
@@ -13432,18 +13534,34 @@
         </p:blipFill>
         <p:spPr>
           <a:xfrm>
-            <a:off x="4893564" y="3827590"/>
-            <a:ext cx="1807464" cy="1807464"/>
-          </a:xfrm>
-          <a:prstGeom prst="rect">
+            <a:off x="6004669" y="3770004"/>
+            <a:ext cx="1737360" cy="1737360"/>
+          </a:xfrm>
+          <a:prstGeom prst="ellipse">
             <a:avLst/>
           </a:prstGeom>
-          <a:ln>
+          <a:ln w="63500" cap="rnd">
             <a:noFill/>
           </a:ln>
           <a:effectLst>
-            <a:softEdge rad="112500"/>
+            <a:outerShdw blurRad="381000" dist="292100" dir="5400000" sx="-80000" sy="-18000" rotWithShape="0">
+              <a:srgbClr val="000000">
+                <a:alpha val="22000"/>
+              </a:srgbClr>
+            </a:outerShdw>
           </a:effectLst>
+          <a:scene3d>
+            <a:camera prst="orthographicFront"/>
+            <a:lightRig rig="contrasting" dir="t">
+              <a:rot lat="0" lon="0" rev="3000000"/>
+            </a:lightRig>
+          </a:scene3d>
+          <a:sp3d contourW="7620">
+            <a:bevelT w="95250" h="31750"/>
+            <a:contourClr>
+              <a:srgbClr val="333333"/>
+            </a:contourClr>
+          </a:sp3d>
         </p:spPr>
       </p:pic>
       <p:pic>
@@ -13475,18 +13593,34 @@
         </p:blipFill>
         <p:spPr bwMode="auto">
           <a:xfrm>
-            <a:off x="892539" y="2209167"/>
+            <a:off x="843624" y="2168759"/>
             <a:ext cx="1749282" cy="1733168"/>
           </a:xfrm>
-          <a:prstGeom prst="rect">
+          <a:prstGeom prst="ellipse">
             <a:avLst/>
           </a:prstGeom>
-          <a:ln>
+          <a:ln w="63500" cap="rnd">
             <a:noFill/>
           </a:ln>
           <a:effectLst>
-            <a:softEdge rad="112500"/>
+            <a:outerShdw blurRad="381000" dist="292100" dir="5400000" sx="-80000" sy="-18000" rotWithShape="0">
+              <a:srgbClr val="000000">
+                <a:alpha val="22000"/>
+              </a:srgbClr>
+            </a:outerShdw>
           </a:effectLst>
+          <a:scene3d>
+            <a:camera prst="orthographicFront"/>
+            <a:lightRig rig="contrasting" dir="t">
+              <a:rot lat="0" lon="0" rev="3000000"/>
+            </a:lightRig>
+          </a:scene3d>
+          <a:sp3d contourW="7620">
+            <a:bevelT w="95250" h="31750"/>
+            <a:contourClr>
+              <a:srgbClr val="333333"/>
+            </a:contourClr>
+          </a:sp3d>
           <a:extLst>
             <a:ext uri="{909E8E84-426E-40DD-AFC4-6F175D3DCCD1}">
               <a14:hiddenFill xmlns:a14="http://schemas.microsoft.com/office/drawing/2010/main">
@@ -13527,18 +13661,34 @@
         </p:blipFill>
         <p:spPr bwMode="auto">
           <a:xfrm>
-            <a:off x="4918232" y="2078308"/>
-            <a:ext cx="1749282" cy="1749282"/>
-          </a:xfrm>
-          <a:prstGeom prst="rect">
+            <a:off x="4221342" y="2148760"/>
+            <a:ext cx="1737360" cy="1737360"/>
+          </a:xfrm>
+          <a:prstGeom prst="ellipse">
             <a:avLst/>
           </a:prstGeom>
-          <a:ln>
+          <a:ln w="63500" cap="rnd">
             <a:noFill/>
           </a:ln>
           <a:effectLst>
-            <a:softEdge rad="112500"/>
+            <a:outerShdw blurRad="381000" dist="292100" dir="5400000" sx="-80000" sy="-18000" rotWithShape="0">
+              <a:srgbClr val="000000">
+                <a:alpha val="22000"/>
+              </a:srgbClr>
+            </a:outerShdw>
           </a:effectLst>
+          <a:scene3d>
+            <a:camera prst="orthographicFront"/>
+            <a:lightRig rig="contrasting" dir="t">
+              <a:rot lat="0" lon="0" rev="3000000"/>
+            </a:lightRig>
+          </a:scene3d>
+          <a:sp3d contourW="7620">
+            <a:bevelT w="95250" h="31750"/>
+            <a:contourClr>
+              <a:srgbClr val="333333"/>
+            </a:contourClr>
+          </a:sp3d>
           <a:extLst>
             <a:ext uri="{909E8E84-426E-40DD-AFC4-6F175D3DCCD1}">
               <a14:hiddenFill xmlns:a14="http://schemas.microsoft.com/office/drawing/2010/main">
@@ -13636,14 +13786,7 @@
             </a:pPr>
             <a:r>
               <a:rPr lang="en-US" sz="3600" dirty="0"/>
-              <a:t>We wanted to create an app which helps you in </a:t>
-            </a:r>
-            <a:br>
-              <a:rPr lang="en-US" sz="3600" dirty="0"/>
-            </a:br>
-            <a:r>
-              <a:rPr lang="en-US" sz="3600" dirty="0"/>
-              <a:t>whatever subject you want by asking a chatbot your problem and the bot gives you the solution.</a:t>
+              <a:t>We have developed an app that assists users in a chosen school subject by providing explanations through a chatbot.</a:t>
             </a:r>
           </a:p>
         </p:txBody>
@@ -13729,82 +13872,10 @@
           <a:bodyPr/>
           <a:lstStyle/>
           <a:p>
-            <a:endParaRPr lang="en-US" dirty="0"/>
-          </a:p>
-        </p:txBody>
-      </p:sp>
-      <p:sp>
-        <p:nvSpPr>
-          <p:cNvPr id="3" name="Text Placeholder 2">
-            <a:extLst>
-              <a:ext uri="{FF2B5EF4-FFF2-40B4-BE49-F238E27FC236}">
-                <a16:creationId xmlns:a16="http://schemas.microsoft.com/office/drawing/2014/main" id="{AA5F9312-99A5-872C-1327-03B0647C0227}"/>
-              </a:ext>
-            </a:extLst>
-          </p:cNvPr>
-          <p:cNvSpPr>
-            <a:spLocks noGrp="1"/>
-          </p:cNvSpPr>
-          <p:nvPr>
-            <p:ph type="body" idx="1"/>
-          </p:nvPr>
-        </p:nvSpPr>
-        <p:spPr/>
-        <p:txBody>
-          <a:bodyPr/>
-          <a:lstStyle/>
-          <a:p>
-            <a:endParaRPr lang="en-US"/>
-          </a:p>
-        </p:txBody>
-      </p:sp>
-      <p:sp>
-        <p:nvSpPr>
-          <p:cNvPr id="4" name="Text Placeholder 3">
-            <a:extLst>
-              <a:ext uri="{FF2B5EF4-FFF2-40B4-BE49-F238E27FC236}">
-                <a16:creationId xmlns:a16="http://schemas.microsoft.com/office/drawing/2014/main" id="{B90F807E-977E-3136-64A9-63F0B5D8B0D6}"/>
-              </a:ext>
-            </a:extLst>
-          </p:cNvPr>
-          <p:cNvSpPr>
-            <a:spLocks noGrp="1"/>
-          </p:cNvSpPr>
-          <p:nvPr>
-            <p:ph type="body" sz="quarter" idx="11"/>
-          </p:nvPr>
-        </p:nvSpPr>
-        <p:spPr/>
-        <p:txBody>
-          <a:bodyPr/>
-          <a:lstStyle/>
-          <a:p>
-            <a:endParaRPr lang="en-US"/>
-          </a:p>
-        </p:txBody>
-      </p:sp>
-      <p:sp>
-        <p:nvSpPr>
-          <p:cNvPr id="5" name="Text Placeholder 4">
-            <a:extLst>
-              <a:ext uri="{FF2B5EF4-FFF2-40B4-BE49-F238E27FC236}">
-                <a16:creationId xmlns:a16="http://schemas.microsoft.com/office/drawing/2014/main" id="{7CE637EE-DEB5-3765-008E-F40CEDED4A8C}"/>
-              </a:ext>
-            </a:extLst>
-          </p:cNvPr>
-          <p:cNvSpPr>
-            <a:spLocks noGrp="1"/>
-          </p:cNvSpPr>
-          <p:nvPr>
-            <p:ph type="body" sz="quarter" idx="10"/>
-          </p:nvPr>
-        </p:nvSpPr>
-        <p:spPr/>
-        <p:txBody>
-          <a:bodyPr/>
-          <a:lstStyle/>
-          <a:p>
-            <a:endParaRPr lang="en-US"/>
+            <a:r>
+              <a:rPr lang="en-US" dirty="0"/>
+              <a:t>Stages</a:t>
+            </a:r>
           </a:p>
         </p:txBody>
       </p:sp>
@@ -13821,14 +13892,14 @@
           <p:nvPr>
             <p:extLst>
               <p:ext uri="{D42A27DB-BD31-4B8C-83A1-F6EECF244321}">
-                <p14:modId xmlns:p14="http://schemas.microsoft.com/office/powerpoint/2010/main" val="1352218046"/>
+                <p14:modId xmlns:p14="http://schemas.microsoft.com/office/powerpoint/2010/main" val="790879760"/>
               </p:ext>
             </p:extLst>
           </p:nvPr>
         </p:nvGraphicFramePr>
         <p:xfrm>
-          <a:off x="2032000" y="719666"/>
-          <a:ext cx="8128000" cy="5418667"/>
+          <a:off x="2172947" y="881054"/>
+          <a:ext cx="8128000" cy="5630800"/>
         </p:xfrm>
         <a:graphic>
           <a:graphicData uri="http://schemas.openxmlformats.org/drawingml/2006/diagram">
@@ -14241,39 +14312,6 @@
             <a:r>
               <a:rPr lang="en-US" dirty="0"/>
               <a:t>THANK YOU FOR YOUR ATTENTION</a:t>
-            </a:r>
-          </a:p>
-        </p:txBody>
-      </p:sp>
-      <p:sp>
-        <p:nvSpPr>
-          <p:cNvPr id="3" name="Content Placeholder 2">
-            <a:extLst>
-              <a:ext uri="{FF2B5EF4-FFF2-40B4-BE49-F238E27FC236}">
-                <a16:creationId xmlns:a16="http://schemas.microsoft.com/office/drawing/2014/main" id="{2B545CBF-DBDE-E024-33A5-E13270850B55}"/>
-              </a:ext>
-            </a:extLst>
-          </p:cNvPr>
-          <p:cNvSpPr>
-            <a:spLocks noGrp="1"/>
-          </p:cNvSpPr>
-          <p:nvPr>
-            <p:ph idx="1"/>
-          </p:nvPr>
-        </p:nvSpPr>
-        <p:spPr/>
-        <p:txBody>
-          <a:bodyPr>
-            <a:normAutofit/>
-          </a:bodyPr>
-          <a:lstStyle/>
-          <a:p>
-            <a:pPr marL="0" indent="0" algn="ctr">
-              <a:buNone/>
-            </a:pPr>
-            <a:r>
-              <a:rPr lang="en-US" sz="4400" dirty="0"/>
-              <a:t>Do you have any questions?</a:t>
             </a:r>
           </a:p>
         </p:txBody>
@@ -15113,23 +15151,12 @@
 </file>
 
 <file path=customXml/item1.xml><?xml version="1.0" encoding="utf-8"?>
-<p:properties xmlns:p="http://schemas.microsoft.com/office/2006/metadata/properties" xmlns:xsi="http://www.w3.org/2001/XMLSchema-instance" xmlns:pc="http://schemas.microsoft.com/office/infopath/2007/PartnerControls">
-  <documentManagement>
-    <_ip_UnifiedCompliancePolicyUIAction xmlns="http://schemas.microsoft.com/sharepoint/v3" xsi:nil="true"/>
-    <Image xmlns="71af3243-3dd4-4a8d-8c0d-dd76da1f02a5">
-      <Url xsi:nil="true"/>
-      <Description xsi:nil="true"/>
-    </Image>
-    <Status xmlns="71af3243-3dd4-4a8d-8c0d-dd76da1f02a5">Not started</Status>
-    <Background xmlns="71af3243-3dd4-4a8d-8c0d-dd76da1f02a5">false</Background>
-    <_ip_UnifiedCompliancePolicyProperties xmlns="http://schemas.microsoft.com/sharepoint/v3" xsi:nil="true"/>
-    <ImageTagsTaxHTField xmlns="71af3243-3dd4-4a8d-8c0d-dd76da1f02a5">
-      <Terms xmlns="http://schemas.microsoft.com/office/infopath/2007/PartnerControls"/>
-    </ImageTagsTaxHTField>
-    <TaxCatchAll xmlns="230e9df3-be65-4c73-a93b-d1236ebd677e" xsi:nil="true"/>
-    <MediaServiceKeyPoints xmlns="71af3243-3dd4-4a8d-8c0d-dd76da1f02a5" xsi:nil="true"/>
-  </documentManagement>
-</p:properties>
+<?mso-contentType ?>
+<FormTemplates xmlns="http://schemas.microsoft.com/sharepoint/v3/contenttype/forms">
+  <Display>DocumentLibraryForm</Display>
+  <Edit>DocumentLibraryForm</Edit>
+  <New>DocumentLibraryForm</New>
+</FormTemplates>
 </file>
 
 <file path=customXml/item2.xml><?xml version="1.0" encoding="utf-8"?>
@@ -15421,22 +15448,29 @@
 </file>
 
 <file path=customXml/item3.xml><?xml version="1.0" encoding="utf-8"?>
-<?mso-contentType ?>
-<FormTemplates xmlns="http://schemas.microsoft.com/sharepoint/v3/contenttype/forms">
-  <Display>DocumentLibraryForm</Display>
-  <Edit>DocumentLibraryForm</Edit>
-  <New>DocumentLibraryForm</New>
-</FormTemplates>
+<p:properties xmlns:p="http://schemas.microsoft.com/office/2006/metadata/properties" xmlns:xsi="http://www.w3.org/2001/XMLSchema-instance" xmlns:pc="http://schemas.microsoft.com/office/infopath/2007/PartnerControls">
+  <documentManagement>
+    <_ip_UnifiedCompliancePolicyUIAction xmlns="http://schemas.microsoft.com/sharepoint/v3" xsi:nil="true"/>
+    <Image xmlns="71af3243-3dd4-4a8d-8c0d-dd76da1f02a5">
+      <Url xsi:nil="true"/>
+      <Description xsi:nil="true"/>
+    </Image>
+    <Status xmlns="71af3243-3dd4-4a8d-8c0d-dd76da1f02a5">Not started</Status>
+    <Background xmlns="71af3243-3dd4-4a8d-8c0d-dd76da1f02a5">false</Background>
+    <_ip_UnifiedCompliancePolicyProperties xmlns="http://schemas.microsoft.com/sharepoint/v3" xsi:nil="true"/>
+    <ImageTagsTaxHTField xmlns="71af3243-3dd4-4a8d-8c0d-dd76da1f02a5">
+      <Terms xmlns="http://schemas.microsoft.com/office/infopath/2007/PartnerControls"/>
+    </ImageTagsTaxHTField>
+    <TaxCatchAll xmlns="230e9df3-be65-4c73-a93b-d1236ebd677e" xsi:nil="true"/>
+    <MediaServiceKeyPoints xmlns="71af3243-3dd4-4a8d-8c0d-dd76da1f02a5" xsi:nil="true"/>
+  </documentManagement>
+</p:properties>
 </file>
 
 <file path=customXml/itemProps1.xml><?xml version="1.0" encoding="utf-8"?>
-<ds:datastoreItem xmlns:ds="http://schemas.openxmlformats.org/officeDocument/2006/customXml" ds:itemID="{8FBB2F3B-6257-41BB-8B64-5AC7494F274B}">
+<ds:datastoreItem xmlns:ds="http://schemas.openxmlformats.org/officeDocument/2006/customXml" ds:itemID="{9ACE2AAA-C718-435C-B4E6-95A08ACAC441}">
   <ds:schemaRefs>
-    <ds:schemaRef ds:uri="http://schemas.microsoft.com/office/2006/metadata/properties"/>
-    <ds:schemaRef ds:uri="http://schemas.microsoft.com/office/infopath/2007/PartnerControls"/>
-    <ds:schemaRef ds:uri="http://schemas.microsoft.com/sharepoint/v3"/>
-    <ds:schemaRef ds:uri="71af3243-3dd4-4a8d-8c0d-dd76da1f02a5"/>
-    <ds:schemaRef ds:uri="230e9df3-be65-4c73-a93b-d1236ebd677e"/>
+    <ds:schemaRef ds:uri="http://schemas.microsoft.com/sharepoint/v3/contenttype/forms"/>
   </ds:schemaRefs>
 </ds:datastoreItem>
 </file>
@@ -15463,9 +15497,13 @@
 </file>
 
 <file path=customXml/itemProps3.xml><?xml version="1.0" encoding="utf-8"?>
-<ds:datastoreItem xmlns:ds="http://schemas.openxmlformats.org/officeDocument/2006/customXml" ds:itemID="{9ACE2AAA-C718-435C-B4E6-95A08ACAC441}">
+<ds:datastoreItem xmlns:ds="http://schemas.openxmlformats.org/officeDocument/2006/customXml" ds:itemID="{8FBB2F3B-6257-41BB-8B64-5AC7494F274B}">
   <ds:schemaRefs>
-    <ds:schemaRef ds:uri="http://schemas.microsoft.com/sharepoint/v3/contenttype/forms"/>
+    <ds:schemaRef ds:uri="http://schemas.microsoft.com/office/2006/metadata/properties"/>
+    <ds:schemaRef ds:uri="http://schemas.microsoft.com/office/infopath/2007/PartnerControls"/>
+    <ds:schemaRef ds:uri="http://schemas.microsoft.com/sharepoint/v3"/>
+    <ds:schemaRef ds:uri="71af3243-3dd4-4a8d-8c0d-dd76da1f02a5"/>
+    <ds:schemaRef ds:uri="230e9df3-be65-4c73-a93b-d1236ebd677e"/>
   </ds:schemaRefs>
 </ds:datastoreItem>
 </file>
